--- a/slides/072920_SSN_slides.pptx
+++ b/slides/072920_SSN_slides.pptx
@@ -5,14 +5,15 @@
     <p:sldMasterId id="2147483648" r:id="rId1"/>
   </p:sldMasterIdLst>
   <p:sldIdLst>
-    <p:sldId id="256" r:id="rId2"/>
-    <p:sldId id="258" r:id="rId3"/>
-    <p:sldId id="257" r:id="rId4"/>
-    <p:sldId id="259" r:id="rId5"/>
-    <p:sldId id="261" r:id="rId6"/>
-    <p:sldId id="260" r:id="rId7"/>
-    <p:sldId id="263" r:id="rId8"/>
-    <p:sldId id="262" r:id="rId9"/>
+    <p:sldId id="264" r:id="rId2"/>
+    <p:sldId id="256" r:id="rId3"/>
+    <p:sldId id="258" r:id="rId4"/>
+    <p:sldId id="257" r:id="rId5"/>
+    <p:sldId id="259" r:id="rId6"/>
+    <p:sldId id="261" r:id="rId7"/>
+    <p:sldId id="260" r:id="rId8"/>
+    <p:sldId id="263" r:id="rId9"/>
+    <p:sldId id="262" r:id="rId10"/>
   </p:sldIdLst>
   <p:sldSz cx="12192000" cy="6858000"/>
   <p:notesSz cx="6858000" cy="9144000"/>
@@ -3330,63 +3331,65 @@
       </p:grpSpPr>
       <p:sp>
         <p:nvSpPr>
+          <p:cNvPr id="3" name="Content Placeholder 2">
+            <a:extLst>
+              <a:ext uri="{FF2B5EF4-FFF2-40B4-BE49-F238E27FC236}">
+                <a16:creationId xmlns:a16="http://schemas.microsoft.com/office/drawing/2014/main" id="{BACD2A2D-EC7E-7748-A7B6-0D8CD6CC5071}"/>
+              </a:ext>
+            </a:extLst>
+          </p:cNvPr>
+          <p:cNvSpPr>
+            <a:spLocks noGrp="1"/>
+          </p:cNvSpPr>
+          <p:nvPr>
+            <p:ph idx="1"/>
+          </p:nvPr>
+        </p:nvSpPr>
+        <p:spPr>
+          <a:xfrm>
+            <a:off x="300038" y="1468438"/>
+            <a:ext cx="11372850" cy="4918074"/>
+          </a:xfrm>
+        </p:spPr>
+        <p:txBody>
+          <a:bodyPr>
+            <a:normAutofit/>
+          </a:bodyPr>
+          <a:lstStyle/>
+          <a:p>
+            <a:endParaRPr lang="en-US"/>
+          </a:p>
+        </p:txBody>
+      </p:sp>
+      <p:sp>
+        <p:nvSpPr>
           <p:cNvPr id="2" name="Title 1">
             <a:extLst>
               <a:ext uri="{FF2B5EF4-FFF2-40B4-BE49-F238E27FC236}">
-                <a16:creationId xmlns:a16="http://schemas.microsoft.com/office/drawing/2014/main" id="{347570EA-5092-524F-B962-C3209876B259}"/>
-              </a:ext>
-            </a:extLst>
-          </p:cNvPr>
-          <p:cNvSpPr>
-            <a:spLocks noGrp="1"/>
-          </p:cNvSpPr>
-          <p:nvPr>
-            <p:ph type="ctrTitle"/>
-          </p:nvPr>
-        </p:nvSpPr>
-        <p:spPr/>
+                <a16:creationId xmlns:a16="http://schemas.microsoft.com/office/drawing/2014/main" id="{EB20C07F-42FE-904A-9A15-BC56DFAF0D18}"/>
+              </a:ext>
+            </a:extLst>
+          </p:cNvPr>
+          <p:cNvSpPr>
+            <a:spLocks noGrp="1"/>
+          </p:cNvSpPr>
+          <p:nvPr>
+            <p:ph type="title"/>
+          </p:nvPr>
+        </p:nvSpPr>
+        <p:spPr>
+          <a:xfrm>
+            <a:off x="300038" y="142875"/>
+            <a:ext cx="10515600" cy="1325563"/>
+          </a:xfrm>
+        </p:spPr>
         <p:txBody>
           <a:bodyPr/>
           <a:lstStyle/>
           <a:p>
             <a:r>
               <a:rPr lang="en-US" dirty="0"/>
-              <a:t>Sequence </a:t>
-            </a:r>
-            <a:br>
-              <a:rPr lang="en-US" dirty="0"/>
-            </a:br>
-            <a:r>
-              <a:rPr lang="en-US" dirty="0"/>
-              <a:t>Similarity Networking</a:t>
-            </a:r>
-          </a:p>
-        </p:txBody>
-      </p:sp>
-      <p:sp>
-        <p:nvSpPr>
-          <p:cNvPr id="3" name="Subtitle 2">
-            <a:extLst>
-              <a:ext uri="{FF2B5EF4-FFF2-40B4-BE49-F238E27FC236}">
-                <a16:creationId xmlns:a16="http://schemas.microsoft.com/office/drawing/2014/main" id="{4A098494-00FC-A04E-98F9-F28FE0003151}"/>
-              </a:ext>
-            </a:extLst>
-          </p:cNvPr>
-          <p:cNvSpPr>
-            <a:spLocks noGrp="1"/>
-          </p:cNvSpPr>
-          <p:nvPr>
-            <p:ph type="subTitle" idx="1"/>
-          </p:nvPr>
-        </p:nvSpPr>
-        <p:spPr/>
-        <p:txBody>
-          <a:bodyPr/>
-          <a:lstStyle/>
-          <a:p>
-            <a:r>
-              <a:rPr lang="en-US" dirty="0"/>
-              <a:t>July 28, 2020</a:t>
+              <a:t>Plans and future directions</a:t>
             </a:r>
           </a:p>
         </p:txBody>
@@ -3394,7 +3397,7 @@
     </p:spTree>
     <p:extLst>
       <p:ext uri="{BB962C8B-B14F-4D97-AF65-F5344CB8AC3E}">
-        <p14:creationId xmlns:p14="http://schemas.microsoft.com/office/powerpoint/2010/main" val="1454883119"/>
+        <p14:creationId xmlns:p14="http://schemas.microsoft.com/office/powerpoint/2010/main" val="1710124542"/>
       </p:ext>
     </p:extLst>
   </p:cSld>
@@ -3426,15 +3429,15 @@
           <p:cNvPr id="2" name="Title 1">
             <a:extLst>
               <a:ext uri="{FF2B5EF4-FFF2-40B4-BE49-F238E27FC236}">
-                <a16:creationId xmlns:a16="http://schemas.microsoft.com/office/drawing/2014/main" id="{5FF936C8-815C-0F48-80DD-884B91C587B7}"/>
-              </a:ext>
-            </a:extLst>
-          </p:cNvPr>
-          <p:cNvSpPr>
-            <a:spLocks noGrp="1"/>
-          </p:cNvSpPr>
-          <p:nvPr>
-            <p:ph type="title"/>
+                <a16:creationId xmlns:a16="http://schemas.microsoft.com/office/drawing/2014/main" id="{347570EA-5092-524F-B962-C3209876B259}"/>
+              </a:ext>
+            </a:extLst>
+          </p:cNvPr>
+          <p:cNvSpPr>
+            <a:spLocks noGrp="1"/>
+          </p:cNvSpPr>
+          <p:nvPr>
+            <p:ph type="ctrTitle"/>
           </p:nvPr>
         </p:nvSpPr>
         <p:spPr/>
@@ -3444,94 +3447,42 @@
           <a:p>
             <a:r>
               <a:rPr lang="en-US" dirty="0"/>
-              <a:t>What is an SSN?</a:t>
-            </a:r>
-          </a:p>
-        </p:txBody>
-      </p:sp>
-      <p:sp>
-        <p:nvSpPr>
-          <p:cNvPr id="3" name="Content Placeholder 2">
-            <a:extLst>
-              <a:ext uri="{FF2B5EF4-FFF2-40B4-BE49-F238E27FC236}">
-                <a16:creationId xmlns:a16="http://schemas.microsoft.com/office/drawing/2014/main" id="{6D86DF31-59BF-DD48-A888-A8020BF5A7AE}"/>
-              </a:ext>
-            </a:extLst>
-          </p:cNvPr>
-          <p:cNvSpPr>
-            <a:spLocks noGrp="1"/>
-          </p:cNvSpPr>
-          <p:nvPr>
-            <p:ph idx="1"/>
-          </p:nvPr>
-        </p:nvSpPr>
-        <p:spPr>
-          <a:xfrm>
-            <a:off x="838200" y="1825625"/>
-            <a:ext cx="10206038" cy="4351338"/>
-          </a:xfrm>
-        </p:spPr>
-        <p:txBody>
-          <a:bodyPr>
-            <a:normAutofit fontScale="92500" lnSpcReduction="10000"/>
-          </a:bodyPr>
-          <a:lstStyle/>
-          <a:p>
-            <a:r>
-              <a:rPr lang="en-US" dirty="0"/>
-              <a:t>Sequence similarity network (SSN) allows for visualization of relationships among protein sequences. </a:t>
-            </a:r>
-          </a:p>
-          <a:p>
-            <a:endParaRPr lang="en-US" dirty="0"/>
-          </a:p>
-          <a:p>
-            <a:r>
-              <a:rPr lang="en-US" dirty="0"/>
-              <a:t>In SSNs, the most related proteins are grouped together in clusters</a:t>
-            </a:r>
-          </a:p>
-          <a:p>
-            <a:endParaRPr lang="en-US" dirty="0"/>
-          </a:p>
-          <a:p>
-            <a:r>
-              <a:rPr lang="en-US" dirty="0"/>
-              <a:t>Two steps to generate:</a:t>
+              <a:t>Sequence </a:t>
             </a:r>
             <a:br>
               <a:rPr lang="en-US" dirty="0"/>
             </a:br>
-            <a:endParaRPr lang="en-US" dirty="0"/>
-          </a:p>
-          <a:p>
-            <a:pPr marL="457200" lvl="1" indent="0">
-              <a:buNone/>
-            </a:pPr>
             <a:r>
               <a:rPr lang="en-US" dirty="0"/>
-              <a:t>1) A set of sequences to analyze is chosen, and an all-by-all </a:t>
-            </a:r>
-            <a:r>
-              <a:rPr lang="en-US" b="1" dirty="0"/>
-              <a:t>BLAST </a:t>
-            </a:r>
+              <a:t>Similarity Networking</a:t>
+            </a:r>
+          </a:p>
+        </p:txBody>
+      </p:sp>
+      <p:sp>
+        <p:nvSpPr>
+          <p:cNvPr id="3" name="Subtitle 2">
+            <a:extLst>
+              <a:ext uri="{FF2B5EF4-FFF2-40B4-BE49-F238E27FC236}">
+                <a16:creationId xmlns:a16="http://schemas.microsoft.com/office/drawing/2014/main" id="{4A098494-00FC-A04E-98F9-F28FE0003151}"/>
+              </a:ext>
+            </a:extLst>
+          </p:cNvPr>
+          <p:cNvSpPr>
+            <a:spLocks noGrp="1"/>
+          </p:cNvSpPr>
+          <p:nvPr>
+            <p:ph type="subTitle" idx="1"/>
+          </p:nvPr>
+        </p:nvSpPr>
+        <p:spPr/>
+        <p:txBody>
+          <a:bodyPr/>
+          <a:lstStyle/>
+          <a:p>
             <a:r>
               <a:rPr lang="en-US" dirty="0"/>
-              <a:t>is performed to determine sequence similarity for each pair of sequences in the dataset.</a:t>
-            </a:r>
-            <a:br>
-              <a:rPr lang="en-US" dirty="0"/>
-            </a:br>
-            <a:endParaRPr lang="en-US" dirty="0"/>
-          </a:p>
-          <a:p>
-            <a:pPr marL="457200" lvl="1" indent="0">
-              <a:buNone/>
-            </a:pPr>
-            <a:r>
-              <a:rPr lang="en-US" dirty="0"/>
-              <a:t>2) Filter the sequences into clusters, based on a similarity threshold that is user defined.</a:t>
+              <a:t>July 28, 2020</a:t>
             </a:r>
           </a:p>
         </p:txBody>
@@ -3539,7 +3490,7 @@
     </p:spTree>
     <p:extLst>
       <p:ext uri="{BB962C8B-B14F-4D97-AF65-F5344CB8AC3E}">
-        <p14:creationId xmlns:p14="http://schemas.microsoft.com/office/powerpoint/2010/main" val="2860357380"/>
+        <p14:creationId xmlns:p14="http://schemas.microsoft.com/office/powerpoint/2010/main" val="1454883119"/>
       </p:ext>
     </p:extLst>
   </p:cSld>
@@ -3566,65 +3517,117 @@
           <a:chExt cx="0" cy="0"/>
         </a:xfrm>
       </p:grpSpPr>
-      <p:pic>
-        <p:nvPicPr>
-          <p:cNvPr id="5" name="Picture 4">
-            <a:extLst>
-              <a:ext uri="{FF2B5EF4-FFF2-40B4-BE49-F238E27FC236}">
-                <a16:creationId xmlns:a16="http://schemas.microsoft.com/office/drawing/2014/main" id="{01DB5BE8-C404-7749-8C7C-5D00900CCE38}"/>
-              </a:ext>
-            </a:extLst>
-          </p:cNvPr>
-          <p:cNvPicPr>
-            <a:picLocks noChangeAspect="1"/>
-          </p:cNvPicPr>
-          <p:nvPr/>
-        </p:nvPicPr>
-        <p:blipFill>
-          <a:blip r:embed="rId2"/>
-          <a:stretch>
-            <a:fillRect/>
-          </a:stretch>
-        </p:blipFill>
+      <p:sp>
+        <p:nvSpPr>
+          <p:cNvPr id="2" name="Title 1">
+            <a:extLst>
+              <a:ext uri="{FF2B5EF4-FFF2-40B4-BE49-F238E27FC236}">
+                <a16:creationId xmlns:a16="http://schemas.microsoft.com/office/drawing/2014/main" id="{5FF936C8-815C-0F48-80DD-884B91C587B7}"/>
+              </a:ext>
+            </a:extLst>
+          </p:cNvPr>
+          <p:cNvSpPr>
+            <a:spLocks noGrp="1"/>
+          </p:cNvSpPr>
+          <p:nvPr>
+            <p:ph type="title"/>
+          </p:nvPr>
+        </p:nvSpPr>
+        <p:spPr/>
+        <p:txBody>
+          <a:bodyPr/>
+          <a:lstStyle/>
+          <a:p>
+            <a:r>
+              <a:rPr lang="en-US" dirty="0"/>
+              <a:t>What is an SSN?</a:t>
+            </a:r>
+          </a:p>
+        </p:txBody>
+      </p:sp>
+      <p:sp>
+        <p:nvSpPr>
+          <p:cNvPr id="3" name="Content Placeholder 2">
+            <a:extLst>
+              <a:ext uri="{FF2B5EF4-FFF2-40B4-BE49-F238E27FC236}">
+                <a16:creationId xmlns:a16="http://schemas.microsoft.com/office/drawing/2014/main" id="{6D86DF31-59BF-DD48-A888-A8020BF5A7AE}"/>
+              </a:ext>
+            </a:extLst>
+          </p:cNvPr>
+          <p:cNvSpPr>
+            <a:spLocks noGrp="1"/>
+          </p:cNvSpPr>
+          <p:nvPr>
+            <p:ph idx="1"/>
+          </p:nvPr>
+        </p:nvSpPr>
         <p:spPr>
           <a:xfrm>
-            <a:off x="1053826" y="900113"/>
-            <a:ext cx="8879241" cy="5957887"/>
-          </a:xfrm>
-          <a:prstGeom prst="rect">
-            <a:avLst/>
-          </a:prstGeom>
-        </p:spPr>
-      </p:pic>
-      <p:sp>
-        <p:nvSpPr>
-          <p:cNvPr id="2" name="Title 1">
-            <a:extLst>
-              <a:ext uri="{FF2B5EF4-FFF2-40B4-BE49-F238E27FC236}">
-                <a16:creationId xmlns:a16="http://schemas.microsoft.com/office/drawing/2014/main" id="{6D4BB2E6-32F0-5A4A-8326-D6F417557FC8}"/>
-              </a:ext>
-            </a:extLst>
-          </p:cNvPr>
-          <p:cNvSpPr>
-            <a:spLocks noGrp="1"/>
-          </p:cNvSpPr>
-          <p:nvPr>
-            <p:ph type="title"/>
-          </p:nvPr>
-        </p:nvSpPr>
-        <p:spPr>
-          <a:xfrm>
-            <a:off x="235647" y="1"/>
-            <a:ext cx="10515600" cy="900112"/>
+            <a:off x="838200" y="1825625"/>
+            <a:ext cx="10206038" cy="4351338"/>
           </a:xfrm>
         </p:spPr>
         <p:txBody>
-          <a:bodyPr/>
+          <a:bodyPr>
+            <a:normAutofit fontScale="92500" lnSpcReduction="10000"/>
+          </a:bodyPr>
           <a:lstStyle/>
           <a:p>
             <a:r>
               <a:rPr lang="en-US" dirty="0"/>
-              <a:t>Last OleA SSN built</a:t>
+              <a:t>Sequence similarity network (SSN) allows for visualization of relationships among protein sequences. </a:t>
+            </a:r>
+          </a:p>
+          <a:p>
+            <a:endParaRPr lang="en-US" dirty="0"/>
+          </a:p>
+          <a:p>
+            <a:r>
+              <a:rPr lang="en-US" dirty="0"/>
+              <a:t>In SSNs, the most related proteins are grouped together in clusters</a:t>
+            </a:r>
+          </a:p>
+          <a:p>
+            <a:endParaRPr lang="en-US" dirty="0"/>
+          </a:p>
+          <a:p>
+            <a:r>
+              <a:rPr lang="en-US" dirty="0"/>
+              <a:t>Two steps to generate:</a:t>
+            </a:r>
+            <a:br>
+              <a:rPr lang="en-US" dirty="0"/>
+            </a:br>
+            <a:endParaRPr lang="en-US" dirty="0"/>
+          </a:p>
+          <a:p>
+            <a:pPr marL="457200" lvl="1" indent="0">
+              <a:buNone/>
+            </a:pPr>
+            <a:r>
+              <a:rPr lang="en-US" dirty="0"/>
+              <a:t>1) A set of sequences to analyze is chosen, and an all-by-all </a:t>
+            </a:r>
+            <a:r>
+              <a:rPr lang="en-US" b="1" dirty="0"/>
+              <a:t>BLAST </a:t>
+            </a:r>
+            <a:r>
+              <a:rPr lang="en-US" dirty="0"/>
+              <a:t>is performed to determine sequence similarity for each pair of sequences in the dataset.</a:t>
+            </a:r>
+            <a:br>
+              <a:rPr lang="en-US" dirty="0"/>
+            </a:br>
+            <a:endParaRPr lang="en-US" dirty="0"/>
+          </a:p>
+          <a:p>
+            <a:pPr marL="457200" lvl="1" indent="0">
+              <a:buNone/>
+            </a:pPr>
+            <a:r>
+              <a:rPr lang="en-US" dirty="0"/>
+              <a:t>2) Filter the sequences into clusters, based on a similarity threshold that is user defined.</a:t>
             </a:r>
           </a:p>
         </p:txBody>
@@ -3632,7 +3635,7 @@
     </p:spTree>
     <p:extLst>
       <p:ext uri="{BB962C8B-B14F-4D97-AF65-F5344CB8AC3E}">
-        <p14:creationId xmlns:p14="http://schemas.microsoft.com/office/powerpoint/2010/main" val="3759980774"/>
+        <p14:creationId xmlns:p14="http://schemas.microsoft.com/office/powerpoint/2010/main" val="2860357380"/>
       </p:ext>
     </p:extLst>
   </p:cSld>
@@ -3664,6 +3667,99 @@
           <p:cNvPr id="5" name="Picture 4">
             <a:extLst>
               <a:ext uri="{FF2B5EF4-FFF2-40B4-BE49-F238E27FC236}">
+                <a16:creationId xmlns:a16="http://schemas.microsoft.com/office/drawing/2014/main" id="{01DB5BE8-C404-7749-8C7C-5D00900CCE38}"/>
+              </a:ext>
+            </a:extLst>
+          </p:cNvPr>
+          <p:cNvPicPr>
+            <a:picLocks noChangeAspect="1"/>
+          </p:cNvPicPr>
+          <p:nvPr/>
+        </p:nvPicPr>
+        <p:blipFill>
+          <a:blip r:embed="rId2"/>
+          <a:stretch>
+            <a:fillRect/>
+          </a:stretch>
+        </p:blipFill>
+        <p:spPr>
+          <a:xfrm>
+            <a:off x="1053826" y="900113"/>
+            <a:ext cx="8879241" cy="5957887"/>
+          </a:xfrm>
+          <a:prstGeom prst="rect">
+            <a:avLst/>
+          </a:prstGeom>
+        </p:spPr>
+      </p:pic>
+      <p:sp>
+        <p:nvSpPr>
+          <p:cNvPr id="2" name="Title 1">
+            <a:extLst>
+              <a:ext uri="{FF2B5EF4-FFF2-40B4-BE49-F238E27FC236}">
+                <a16:creationId xmlns:a16="http://schemas.microsoft.com/office/drawing/2014/main" id="{6D4BB2E6-32F0-5A4A-8326-D6F417557FC8}"/>
+              </a:ext>
+            </a:extLst>
+          </p:cNvPr>
+          <p:cNvSpPr>
+            <a:spLocks noGrp="1"/>
+          </p:cNvSpPr>
+          <p:nvPr>
+            <p:ph type="title"/>
+          </p:nvPr>
+        </p:nvSpPr>
+        <p:spPr>
+          <a:xfrm>
+            <a:off x="235647" y="1"/>
+            <a:ext cx="10515600" cy="900112"/>
+          </a:xfrm>
+        </p:spPr>
+        <p:txBody>
+          <a:bodyPr/>
+          <a:lstStyle/>
+          <a:p>
+            <a:r>
+              <a:rPr lang="en-US" dirty="0"/>
+              <a:t>Last OleA SSN built</a:t>
+            </a:r>
+          </a:p>
+        </p:txBody>
+      </p:sp>
+    </p:spTree>
+    <p:extLst>
+      <p:ext uri="{BB962C8B-B14F-4D97-AF65-F5344CB8AC3E}">
+        <p14:creationId xmlns:p14="http://schemas.microsoft.com/office/powerpoint/2010/main" val="3759980774"/>
+      </p:ext>
+    </p:extLst>
+  </p:cSld>
+  <p:clrMapOvr>
+    <a:masterClrMapping/>
+  </p:clrMapOvr>
+</p:sld>
+</file>
+
+<file path=ppt/slides/slide5.xml><?xml version="1.0" encoding="utf-8"?>
+<p:sld xmlns:a="http://schemas.openxmlformats.org/drawingml/2006/main" xmlns:r="http://schemas.openxmlformats.org/officeDocument/2006/relationships" xmlns:p="http://schemas.openxmlformats.org/presentationml/2006/main">
+  <p:cSld>
+    <p:spTree>
+      <p:nvGrpSpPr>
+        <p:cNvPr id="1" name=""/>
+        <p:cNvGrpSpPr/>
+        <p:nvPr/>
+      </p:nvGrpSpPr>
+      <p:grpSpPr>
+        <a:xfrm>
+          <a:off x="0" y="0"/>
+          <a:ext cx="0" cy="0"/>
+          <a:chOff x="0" y="0"/>
+          <a:chExt cx="0" cy="0"/>
+        </a:xfrm>
+      </p:grpSpPr>
+      <p:pic>
+        <p:nvPicPr>
+          <p:cNvPr id="5" name="Picture 4">
+            <a:extLst>
+              <a:ext uri="{FF2B5EF4-FFF2-40B4-BE49-F238E27FC236}">
                 <a16:creationId xmlns:a16="http://schemas.microsoft.com/office/drawing/2014/main" id="{2D14500C-F91B-2448-A762-A094BF612BC9}"/>
               </a:ext>
             </a:extLst>
@@ -3778,7 +3874,7 @@
 </p:sld>
 </file>
 
-<file path=ppt/slides/slide5.xml><?xml version="1.0" encoding="utf-8"?>
+<file path=ppt/slides/slide6.xml><?xml version="1.0" encoding="utf-8"?>
 <p:sld xmlns:a="http://schemas.openxmlformats.org/drawingml/2006/main" xmlns:r="http://schemas.openxmlformats.org/officeDocument/2006/relationships" xmlns:p="http://schemas.openxmlformats.org/presentationml/2006/main">
   <p:cSld>
     <p:spTree>
@@ -3902,163 +3998,6 @@
 </p:sld>
 </file>
 
-<file path=ppt/slides/slide6.xml><?xml version="1.0" encoding="utf-8"?>
-<p:sld xmlns:a="http://schemas.openxmlformats.org/drawingml/2006/main" xmlns:r="http://schemas.openxmlformats.org/officeDocument/2006/relationships" xmlns:p="http://schemas.openxmlformats.org/presentationml/2006/main">
-  <p:cSld>
-    <p:spTree>
-      <p:nvGrpSpPr>
-        <p:cNvPr id="1" name=""/>
-        <p:cNvGrpSpPr/>
-        <p:nvPr/>
-      </p:nvGrpSpPr>
-      <p:grpSpPr>
-        <a:xfrm>
-          <a:off x="0" y="0"/>
-          <a:ext cx="0" cy="0"/>
-          <a:chOff x="0" y="0"/>
-          <a:chExt cx="0" cy="0"/>
-        </a:xfrm>
-      </p:grpSpPr>
-      <p:sp>
-        <p:nvSpPr>
-          <p:cNvPr id="2" name="Title 1">
-            <a:extLst>
-              <a:ext uri="{FF2B5EF4-FFF2-40B4-BE49-F238E27FC236}">
-                <a16:creationId xmlns:a16="http://schemas.microsoft.com/office/drawing/2014/main" id="{F3E5D61F-B723-174C-8A1D-A80D0AB81918}"/>
-              </a:ext>
-            </a:extLst>
-          </p:cNvPr>
-          <p:cNvSpPr>
-            <a:spLocks noGrp="1"/>
-          </p:cNvSpPr>
-          <p:nvPr>
-            <p:ph type="title"/>
-          </p:nvPr>
-        </p:nvSpPr>
-        <p:spPr/>
-        <p:txBody>
-          <a:bodyPr/>
-          <a:lstStyle/>
-          <a:p>
-            <a:r>
-              <a:rPr lang="en-US" dirty="0"/>
-              <a:t>SSN Workflow</a:t>
-            </a:r>
-          </a:p>
-        </p:txBody>
-      </p:sp>
-      <p:sp>
-        <p:nvSpPr>
-          <p:cNvPr id="3" name="Content Placeholder 2">
-            <a:extLst>
-              <a:ext uri="{FF2B5EF4-FFF2-40B4-BE49-F238E27FC236}">
-                <a16:creationId xmlns:a16="http://schemas.microsoft.com/office/drawing/2014/main" id="{482D2C9E-9D7B-BC47-96C2-565219780E27}"/>
-              </a:ext>
-            </a:extLst>
-          </p:cNvPr>
-          <p:cNvSpPr>
-            <a:spLocks noGrp="1"/>
-          </p:cNvSpPr>
-          <p:nvPr>
-            <p:ph idx="1"/>
-          </p:nvPr>
-        </p:nvSpPr>
-        <p:spPr/>
-        <p:txBody>
-          <a:bodyPr/>
-          <a:lstStyle/>
-          <a:p>
-            <a:r>
-              <a:rPr lang="en-US" dirty="0"/>
-              <a:t>Challenge is to decide what set of OleA sequences to use</a:t>
-            </a:r>
-          </a:p>
-          <a:p>
-            <a:r>
-              <a:rPr lang="en-US" dirty="0"/>
-              <a:t>To start we can use the (30 TARA + 20 psych/</a:t>
-            </a:r>
-            <a:r>
-              <a:rPr lang="en-US" dirty="0" err="1"/>
-              <a:t>therm</a:t>
-            </a:r>
-            <a:r>
-              <a:rPr lang="en-US" dirty="0"/>
-              <a:t> + 73 </a:t>
-            </a:r>
-            <a:r>
-              <a:rPr lang="en-US" dirty="0" err="1"/>
-              <a:t>OleAs</a:t>
-            </a:r>
-            <a:r>
-              <a:rPr lang="en-US" dirty="0"/>
-              <a:t>)</a:t>
-            </a:r>
-          </a:p>
-          <a:p>
-            <a:r>
-              <a:rPr lang="en-US" dirty="0"/>
-              <a:t>Could try a second, expanded one with more OleA BLAST hits</a:t>
-            </a:r>
-          </a:p>
-          <a:p>
-            <a:endParaRPr lang="en-US" dirty="0"/>
-          </a:p>
-          <a:p>
-            <a:r>
-              <a:rPr lang="en-US" b="1" dirty="0"/>
-              <a:t>EFI-EST tutorial:</a:t>
-            </a:r>
-          </a:p>
-          <a:p>
-            <a:pPr lvl="1"/>
-            <a:r>
-              <a:rPr lang="en-US" dirty="0">
-                <a:hlinkClick r:id="rId2"/>
-              </a:rPr>
-              <a:t>https://efi.igb.illinois.edu/efi-est/tutorial.php</a:t>
-            </a:r>
-            <a:endParaRPr lang="en-US" dirty="0"/>
-          </a:p>
-          <a:p>
-            <a:pPr lvl="1"/>
-            <a:endParaRPr lang="en-US" dirty="0"/>
-          </a:p>
-          <a:p>
-            <a:r>
-              <a:rPr lang="en-US" b="1" dirty="0" err="1"/>
-              <a:t>Cytoscape</a:t>
-            </a:r>
-            <a:r>
-              <a:rPr lang="en-US" b="1" dirty="0"/>
-              <a:t> tutorial:</a:t>
-            </a:r>
-          </a:p>
-          <a:p>
-            <a:pPr lvl="1"/>
-            <a:r>
-              <a:rPr lang="en-US" dirty="0">
-                <a:hlinkClick r:id="rId3"/>
-              </a:rPr>
-              <a:t>https://efi.igb.illinois.edu/efi-est/tutorial_cytoscape.php</a:t>
-            </a:r>
-            <a:endParaRPr lang="en-US" b="1" dirty="0"/>
-          </a:p>
-        </p:txBody>
-      </p:sp>
-    </p:spTree>
-    <p:extLst>
-      <p:ext uri="{BB962C8B-B14F-4D97-AF65-F5344CB8AC3E}">
-        <p14:creationId xmlns:p14="http://schemas.microsoft.com/office/powerpoint/2010/main" val="3194850704"/>
-      </p:ext>
-    </p:extLst>
-  </p:cSld>
-  <p:clrMapOvr>
-    <a:masterClrMapping/>
-  </p:clrMapOvr>
-</p:sld>
-</file>
-
 <file path=ppt/slides/slide7.xml><?xml version="1.0" encoding="utf-8"?>
 <p:sld xmlns:a="http://schemas.openxmlformats.org/drawingml/2006/main" xmlns:r="http://schemas.openxmlformats.org/officeDocument/2006/relationships" xmlns:p="http://schemas.openxmlformats.org/presentationml/2006/main">
   <p:cSld>
@@ -4076,124 +4015,137 @@
           <a:chExt cx="0" cy="0"/>
         </a:xfrm>
       </p:grpSpPr>
-      <p:pic>
-        <p:nvPicPr>
-          <p:cNvPr id="7" name="Picture 6">
-            <a:extLst>
-              <a:ext uri="{FF2B5EF4-FFF2-40B4-BE49-F238E27FC236}">
-                <a16:creationId xmlns:a16="http://schemas.microsoft.com/office/drawing/2014/main" id="{872F1E52-45A7-FE44-9294-DE2EFE53A6DD}"/>
-              </a:ext>
-            </a:extLst>
-          </p:cNvPr>
-          <p:cNvPicPr>
-            <a:picLocks noChangeAspect="1"/>
-          </p:cNvPicPr>
-          <p:nvPr/>
-        </p:nvPicPr>
-        <p:blipFill>
-          <a:blip r:embed="rId2"/>
-          <a:stretch>
-            <a:fillRect/>
-          </a:stretch>
-        </p:blipFill>
-        <p:spPr>
-          <a:xfrm>
-            <a:off x="373414" y="100013"/>
-            <a:ext cx="8163303" cy="6629400"/>
-          </a:xfrm>
-          <a:prstGeom prst="rect">
-            <a:avLst/>
-          </a:prstGeom>
-        </p:spPr>
-      </p:pic>
-      <p:sp>
-        <p:nvSpPr>
-          <p:cNvPr id="8" name="TextBox 7">
-            <a:extLst>
-              <a:ext uri="{FF2B5EF4-FFF2-40B4-BE49-F238E27FC236}">
-                <a16:creationId xmlns:a16="http://schemas.microsoft.com/office/drawing/2014/main" id="{9FED75B5-5AB8-C44E-8C30-E5307F2654DA}"/>
-              </a:ext>
-            </a:extLst>
-          </p:cNvPr>
-          <p:cNvSpPr txBox="1"/>
-          <p:nvPr/>
-        </p:nvSpPr>
-        <p:spPr>
-          <a:xfrm>
-            <a:off x="8815387" y="1585913"/>
-            <a:ext cx="3114675" cy="3785652"/>
-          </a:xfrm>
-          <a:prstGeom prst="rect">
-            <a:avLst/>
-          </a:prstGeom>
-          <a:noFill/>
-        </p:spPr>
-        <p:txBody>
-          <a:bodyPr wrap="square" rtlCol="0">
-            <a:spAutoFit/>
-          </a:bodyPr>
-          <a:lstStyle/>
-          <a:p>
-            <a:endParaRPr lang="en-US" dirty="0">
-              <a:hlinkClick r:id="rId3"/>
-            </a:endParaRPr>
-          </a:p>
-          <a:p>
-            <a:r>
-              <a:rPr lang="en-US" sz="3200" b="1" dirty="0"/>
-              <a:t>Protein Family: </a:t>
-            </a:r>
-          </a:p>
-          <a:p>
-            <a:r>
-              <a:rPr lang="en-US" sz="3200" b="1" i="1" dirty="0" err="1"/>
-              <a:t>ACP_syn_III</a:t>
-            </a:r>
-            <a:r>
-              <a:rPr lang="en-US" sz="3200" b="1" dirty="0"/>
-              <a:t> </a:t>
-            </a:r>
-          </a:p>
-          <a:p>
-            <a:r>
-              <a:rPr lang="en-US" sz="3200" b="1" dirty="0"/>
-              <a:t>(PF08545)</a:t>
-            </a:r>
-          </a:p>
-          <a:p>
-            <a:br>
+      <p:sp>
+        <p:nvSpPr>
+          <p:cNvPr id="2" name="Title 1">
+            <a:extLst>
+              <a:ext uri="{FF2B5EF4-FFF2-40B4-BE49-F238E27FC236}">
+                <a16:creationId xmlns:a16="http://schemas.microsoft.com/office/drawing/2014/main" id="{F3E5D61F-B723-174C-8A1D-A80D0AB81918}"/>
+              </a:ext>
+            </a:extLst>
+          </p:cNvPr>
+          <p:cNvSpPr>
+            <a:spLocks noGrp="1"/>
+          </p:cNvSpPr>
+          <p:nvPr>
+            <p:ph type="title"/>
+          </p:nvPr>
+        </p:nvSpPr>
+        <p:spPr/>
+        <p:txBody>
+          <a:bodyPr/>
+          <a:lstStyle/>
+          <a:p>
+            <a:r>
               <a:rPr lang="en-US" dirty="0"/>
-            </a:br>
-            <a:endParaRPr lang="en-US" dirty="0">
-              <a:hlinkClick r:id="rId3"/>
-            </a:endParaRPr>
-          </a:p>
-          <a:p>
-            <a:endParaRPr lang="en-US" dirty="0">
-              <a:hlinkClick r:id="rId3"/>
-            </a:endParaRPr>
-          </a:p>
-          <a:p>
+              <a:t>SSN Workflow</a:t>
+            </a:r>
+          </a:p>
+        </p:txBody>
+      </p:sp>
+      <p:sp>
+        <p:nvSpPr>
+          <p:cNvPr id="3" name="Content Placeholder 2">
+            <a:extLst>
+              <a:ext uri="{FF2B5EF4-FFF2-40B4-BE49-F238E27FC236}">
+                <a16:creationId xmlns:a16="http://schemas.microsoft.com/office/drawing/2014/main" id="{482D2C9E-9D7B-BC47-96C2-565219780E27}"/>
+              </a:ext>
+            </a:extLst>
+          </p:cNvPr>
+          <p:cNvSpPr>
+            <a:spLocks noGrp="1"/>
+          </p:cNvSpPr>
+          <p:nvPr>
+            <p:ph idx="1"/>
+          </p:nvPr>
+        </p:nvSpPr>
+        <p:spPr/>
+        <p:txBody>
+          <a:bodyPr/>
+          <a:lstStyle/>
+          <a:p>
+            <a:r>
+              <a:rPr lang="en-US" dirty="0"/>
+              <a:t>Challenge is to decide what set of OleA sequences to use</a:t>
+            </a:r>
+          </a:p>
+          <a:p>
+            <a:r>
+              <a:rPr lang="en-US" dirty="0"/>
+              <a:t>To start we can use the (30 TARA + 20 psych/</a:t>
+            </a:r>
+            <a:r>
+              <a:rPr lang="en-US" dirty="0" err="1"/>
+              <a:t>therm</a:t>
+            </a:r>
+            <a:r>
+              <a:rPr lang="en-US" dirty="0"/>
+              <a:t> + 73 </a:t>
+            </a:r>
+            <a:r>
+              <a:rPr lang="en-US" dirty="0" err="1"/>
+              <a:t>OleAs</a:t>
+            </a:r>
+            <a:r>
+              <a:rPr lang="en-US" dirty="0"/>
+              <a:t>)</a:t>
+            </a:r>
+          </a:p>
+          <a:p>
+            <a:r>
+              <a:rPr lang="en-US" dirty="0"/>
+              <a:t>Could try a second, expanded one with more OleA BLAST hits</a:t>
+            </a:r>
+          </a:p>
+          <a:p>
+            <a:endParaRPr lang="en-US" dirty="0"/>
+          </a:p>
+          <a:p>
+            <a:r>
+              <a:rPr lang="en-US" b="1" dirty="0"/>
+              <a:t>EFI-EST tutorial:</a:t>
+            </a:r>
+          </a:p>
+          <a:p>
+            <a:pPr lvl="1"/>
+            <a:r>
+              <a:rPr lang="en-US" dirty="0">
+                <a:hlinkClick r:id="rId2"/>
+              </a:rPr>
+              <a:t>https://efi.igb.illinois.edu/efi-est/tutorial.php</a:t>
+            </a:r>
+            <a:endParaRPr lang="en-US" dirty="0"/>
+          </a:p>
+          <a:p>
+            <a:pPr lvl="1"/>
+            <a:endParaRPr lang="en-US" dirty="0"/>
+          </a:p>
+          <a:p>
+            <a:r>
+              <a:rPr lang="en-US" b="1" dirty="0" err="1"/>
+              <a:t>Cytoscape</a:t>
+            </a:r>
+            <a:r>
+              <a:rPr lang="en-US" b="1" dirty="0"/>
+              <a:t> tutorial:</a:t>
+            </a:r>
+          </a:p>
+          <a:p>
+            <a:pPr lvl="1"/>
             <a:r>
               <a:rPr lang="en-US" dirty="0">
                 <a:hlinkClick r:id="rId3"/>
               </a:rPr>
-              <a:t>https://pfam.xfam.org/family/ACP_syn_III</a:t>
-            </a:r>
-            <a:endParaRPr lang="en-US" dirty="0"/>
-          </a:p>
-          <a:p>
-            <a:endParaRPr lang="en-US" dirty="0"/>
-          </a:p>
-          <a:p>
-            <a:endParaRPr lang="en-US" dirty="0"/>
+              <a:t>https://efi.igb.illinois.edu/efi-est/tutorial_cytoscape.php</a:t>
+            </a:r>
+            <a:endParaRPr lang="en-US" b="1" dirty="0"/>
           </a:p>
         </p:txBody>
       </p:sp>
     </p:spTree>
     <p:extLst>
       <p:ext uri="{BB962C8B-B14F-4D97-AF65-F5344CB8AC3E}">
-        <p14:creationId xmlns:p14="http://schemas.microsoft.com/office/powerpoint/2010/main" val="4074935307"/>
+        <p14:creationId xmlns:p14="http://schemas.microsoft.com/office/powerpoint/2010/main" val="3194850704"/>
       </p:ext>
     </p:extLst>
   </p:cSld>
@@ -4220,6 +4172,150 @@
           <a:chExt cx="0" cy="0"/>
         </a:xfrm>
       </p:grpSpPr>
+      <p:pic>
+        <p:nvPicPr>
+          <p:cNvPr id="7" name="Picture 6">
+            <a:extLst>
+              <a:ext uri="{FF2B5EF4-FFF2-40B4-BE49-F238E27FC236}">
+                <a16:creationId xmlns:a16="http://schemas.microsoft.com/office/drawing/2014/main" id="{872F1E52-45A7-FE44-9294-DE2EFE53A6DD}"/>
+              </a:ext>
+            </a:extLst>
+          </p:cNvPr>
+          <p:cNvPicPr>
+            <a:picLocks noChangeAspect="1"/>
+          </p:cNvPicPr>
+          <p:nvPr/>
+        </p:nvPicPr>
+        <p:blipFill>
+          <a:blip r:embed="rId2"/>
+          <a:stretch>
+            <a:fillRect/>
+          </a:stretch>
+        </p:blipFill>
+        <p:spPr>
+          <a:xfrm>
+            <a:off x="373414" y="100013"/>
+            <a:ext cx="8163303" cy="6629400"/>
+          </a:xfrm>
+          <a:prstGeom prst="rect">
+            <a:avLst/>
+          </a:prstGeom>
+        </p:spPr>
+      </p:pic>
+      <p:sp>
+        <p:nvSpPr>
+          <p:cNvPr id="8" name="TextBox 7">
+            <a:extLst>
+              <a:ext uri="{FF2B5EF4-FFF2-40B4-BE49-F238E27FC236}">
+                <a16:creationId xmlns:a16="http://schemas.microsoft.com/office/drawing/2014/main" id="{9FED75B5-5AB8-C44E-8C30-E5307F2654DA}"/>
+              </a:ext>
+            </a:extLst>
+          </p:cNvPr>
+          <p:cNvSpPr txBox="1"/>
+          <p:nvPr/>
+        </p:nvSpPr>
+        <p:spPr>
+          <a:xfrm>
+            <a:off x="8815387" y="1585913"/>
+            <a:ext cx="3114675" cy="3785652"/>
+          </a:xfrm>
+          <a:prstGeom prst="rect">
+            <a:avLst/>
+          </a:prstGeom>
+          <a:noFill/>
+        </p:spPr>
+        <p:txBody>
+          <a:bodyPr wrap="square" rtlCol="0">
+            <a:spAutoFit/>
+          </a:bodyPr>
+          <a:lstStyle/>
+          <a:p>
+            <a:endParaRPr lang="en-US" dirty="0">
+              <a:hlinkClick r:id="rId3"/>
+            </a:endParaRPr>
+          </a:p>
+          <a:p>
+            <a:r>
+              <a:rPr lang="en-US" sz="3200" b="1" dirty="0"/>
+              <a:t>Protein Family: </a:t>
+            </a:r>
+          </a:p>
+          <a:p>
+            <a:r>
+              <a:rPr lang="en-US" sz="3200" b="1" i="1" dirty="0" err="1"/>
+              <a:t>ACP_syn_III</a:t>
+            </a:r>
+            <a:r>
+              <a:rPr lang="en-US" sz="3200" b="1" dirty="0"/>
+              <a:t> </a:t>
+            </a:r>
+          </a:p>
+          <a:p>
+            <a:r>
+              <a:rPr lang="en-US" sz="3200" b="1" dirty="0"/>
+              <a:t>(PF08545)</a:t>
+            </a:r>
+          </a:p>
+          <a:p>
+            <a:br>
+              <a:rPr lang="en-US" dirty="0"/>
+            </a:br>
+            <a:endParaRPr lang="en-US" dirty="0">
+              <a:hlinkClick r:id="rId3"/>
+            </a:endParaRPr>
+          </a:p>
+          <a:p>
+            <a:endParaRPr lang="en-US" dirty="0">
+              <a:hlinkClick r:id="rId3"/>
+            </a:endParaRPr>
+          </a:p>
+          <a:p>
+            <a:r>
+              <a:rPr lang="en-US" dirty="0">
+                <a:hlinkClick r:id="rId3"/>
+              </a:rPr>
+              <a:t>https://pfam.xfam.org/family/ACP_syn_III</a:t>
+            </a:r>
+            <a:endParaRPr lang="en-US" dirty="0"/>
+          </a:p>
+          <a:p>
+            <a:endParaRPr lang="en-US" dirty="0"/>
+          </a:p>
+          <a:p>
+            <a:endParaRPr lang="en-US" dirty="0"/>
+          </a:p>
+        </p:txBody>
+      </p:sp>
+    </p:spTree>
+    <p:extLst>
+      <p:ext uri="{BB962C8B-B14F-4D97-AF65-F5344CB8AC3E}">
+        <p14:creationId xmlns:p14="http://schemas.microsoft.com/office/powerpoint/2010/main" val="4074935307"/>
+      </p:ext>
+    </p:extLst>
+  </p:cSld>
+  <p:clrMapOvr>
+    <a:masterClrMapping/>
+  </p:clrMapOvr>
+</p:sld>
+</file>
+
+<file path=ppt/slides/slide9.xml><?xml version="1.0" encoding="utf-8"?>
+<p:sld xmlns:a="http://schemas.openxmlformats.org/drawingml/2006/main" xmlns:r="http://schemas.openxmlformats.org/officeDocument/2006/relationships" xmlns:p="http://schemas.openxmlformats.org/presentationml/2006/main">
+  <p:cSld>
+    <p:spTree>
+      <p:nvGrpSpPr>
+        <p:cNvPr id="1" name=""/>
+        <p:cNvGrpSpPr/>
+        <p:nvPr/>
+      </p:nvGrpSpPr>
+      <p:grpSpPr>
+        <a:xfrm>
+          <a:off x="0" y="0"/>
+          <a:ext cx="0" cy="0"/>
+          <a:chOff x="0" y="0"/>
+          <a:chExt cx="0" cy="0"/>
+        </a:xfrm>
+      </p:grpSpPr>
       <p:sp>
         <p:nvSpPr>
           <p:cNvPr id="3" name="Content Placeholder 2">
@@ -4278,13 +4374,8 @@
           <a:p>
             <a:r>
               <a:rPr lang="en-US" dirty="0"/>
-              <a:t>Could also color </a:t>
-            </a:r>
-            <a:r>
-              <a:rPr lang="en-US"/>
-              <a:t>by taxonomy...</a:t>
-            </a:r>
-            <a:endParaRPr lang="en-US" dirty="0"/>
+              <a:t>Could also color by taxonomy...</a:t>
+            </a:r>
           </a:p>
         </p:txBody>
       </p:sp>

--- a/slides/072920_SSN_slides.pptx
+++ b/slides/072920_SSN_slides.pptx
@@ -3357,7 +3357,54 @@
           </a:bodyPr>
           <a:lstStyle/>
           <a:p>
-            <a:endParaRPr lang="en-US"/>
+            <a:r>
+              <a:rPr lang="en-US" dirty="0"/>
+              <a:t>Create contingency tables for 8 important residue positions</a:t>
+            </a:r>
+          </a:p>
+          <a:p>
+            <a:r>
+              <a:rPr lang="en-US" dirty="0"/>
+              <a:t>Cross-reference whether any hypotheses could be tested with mutant library (I, V, L, M, F, Y)</a:t>
+            </a:r>
+          </a:p>
+          <a:p>
+            <a:endParaRPr lang="en-US" dirty="0"/>
+          </a:p>
+          <a:p>
+            <a:r>
+              <a:rPr lang="en-US" dirty="0"/>
+              <a:t>Write up methods and results from this summer</a:t>
+            </a:r>
+          </a:p>
+          <a:p>
+            <a:r>
+              <a:rPr lang="en-US" dirty="0"/>
+              <a:t>Plan some wet lab experiments for the fall</a:t>
+            </a:r>
+          </a:p>
+          <a:p>
+            <a:endParaRPr lang="en-US" dirty="0"/>
+          </a:p>
+          <a:p>
+            <a:r>
+              <a:rPr lang="en-US" dirty="0"/>
+              <a:t>Build an OleA sequence similarity network</a:t>
+            </a:r>
+          </a:p>
+          <a:p>
+            <a:pPr lvl="1"/>
+            <a:r>
+              <a:rPr lang="en-US" dirty="0"/>
+              <a:t>Just TARA OleA sequences</a:t>
+            </a:r>
+          </a:p>
+          <a:p>
+            <a:pPr lvl="1"/>
+            <a:r>
+              <a:rPr lang="en-US" dirty="0"/>
+              <a:t>TARA sequences  + PFAM sequences (UniProt50 for PF08545)</a:t>
+            </a:r>
           </a:p>
         </p:txBody>
       </p:sp>
